--- a/livrables/Projet8_Purbeurre_Nutellove.pptx
+++ b/livrables/Projet8_Purbeurre_Nutellove.pptx
@@ -220,7 +220,7 @@
           <a:p>
             <a:fld id="{112819D6-9618-45CA-A4D0-F3F0B09DC02D}" type="datetimeFigureOut">
               <a:rPr lang="fr-FR" smtClean="0"/>
-              <a:t>01/04/2018</a:t>
+              <a:t>04/04/2018</a:t>
             </a:fld>
             <a:endParaRPr lang="fr-FR"/>
           </a:p>
@@ -619,7 +619,7 @@
           <a:p>
             <a:fld id="{79C2CD3C-23E9-4BF9-92A5-02D69918904F}" type="datetimeFigureOut">
               <a:rPr lang="fr-FR" smtClean="0"/>
-              <a:t>01/04/2018</a:t>
+              <a:t>04/04/2018</a:t>
             </a:fld>
             <a:endParaRPr lang="fr-FR"/>
           </a:p>
@@ -789,7 +789,7 @@
           <a:p>
             <a:fld id="{79C2CD3C-23E9-4BF9-92A5-02D69918904F}" type="datetimeFigureOut">
               <a:rPr lang="fr-FR" smtClean="0"/>
-              <a:t>01/04/2018</a:t>
+              <a:t>04/04/2018</a:t>
             </a:fld>
             <a:endParaRPr lang="fr-FR"/>
           </a:p>
@@ -969,7 +969,7 @@
           <a:p>
             <a:fld id="{79C2CD3C-23E9-4BF9-92A5-02D69918904F}" type="datetimeFigureOut">
               <a:rPr lang="fr-FR" smtClean="0"/>
-              <a:t>01/04/2018</a:t>
+              <a:t>04/04/2018</a:t>
             </a:fld>
             <a:endParaRPr lang="fr-FR"/>
           </a:p>
@@ -1139,7 +1139,7 @@
           <a:p>
             <a:fld id="{79C2CD3C-23E9-4BF9-92A5-02D69918904F}" type="datetimeFigureOut">
               <a:rPr lang="fr-FR" smtClean="0"/>
-              <a:t>01/04/2018</a:t>
+              <a:t>04/04/2018</a:t>
             </a:fld>
             <a:endParaRPr lang="fr-FR"/>
           </a:p>
@@ -1385,7 +1385,7 @@
           <a:p>
             <a:fld id="{79C2CD3C-23E9-4BF9-92A5-02D69918904F}" type="datetimeFigureOut">
               <a:rPr lang="fr-FR" smtClean="0"/>
-              <a:t>01/04/2018</a:t>
+              <a:t>04/04/2018</a:t>
             </a:fld>
             <a:endParaRPr lang="fr-FR"/>
           </a:p>
@@ -1617,7 +1617,7 @@
           <a:p>
             <a:fld id="{79C2CD3C-23E9-4BF9-92A5-02D69918904F}" type="datetimeFigureOut">
               <a:rPr lang="fr-FR" smtClean="0"/>
-              <a:t>01/04/2018</a:t>
+              <a:t>04/04/2018</a:t>
             </a:fld>
             <a:endParaRPr lang="fr-FR"/>
           </a:p>
@@ -1984,7 +1984,7 @@
           <a:p>
             <a:fld id="{79C2CD3C-23E9-4BF9-92A5-02D69918904F}" type="datetimeFigureOut">
               <a:rPr lang="fr-FR" smtClean="0"/>
-              <a:t>01/04/2018</a:t>
+              <a:t>04/04/2018</a:t>
             </a:fld>
             <a:endParaRPr lang="fr-FR"/>
           </a:p>
@@ -2102,7 +2102,7 @@
           <a:p>
             <a:fld id="{79C2CD3C-23E9-4BF9-92A5-02D69918904F}" type="datetimeFigureOut">
               <a:rPr lang="fr-FR" smtClean="0"/>
-              <a:t>01/04/2018</a:t>
+              <a:t>04/04/2018</a:t>
             </a:fld>
             <a:endParaRPr lang="fr-FR"/>
           </a:p>
@@ -2197,7 +2197,7 @@
           <a:p>
             <a:fld id="{79C2CD3C-23E9-4BF9-92A5-02D69918904F}" type="datetimeFigureOut">
               <a:rPr lang="fr-FR" smtClean="0"/>
-              <a:t>01/04/2018</a:t>
+              <a:t>04/04/2018</a:t>
             </a:fld>
             <a:endParaRPr lang="fr-FR"/>
           </a:p>
@@ -2474,7 +2474,7 @@
           <a:p>
             <a:fld id="{79C2CD3C-23E9-4BF9-92A5-02D69918904F}" type="datetimeFigureOut">
               <a:rPr lang="fr-FR" smtClean="0"/>
-              <a:t>01/04/2018</a:t>
+              <a:t>04/04/2018</a:t>
             </a:fld>
             <a:endParaRPr lang="fr-FR"/>
           </a:p>
@@ -2727,7 +2727,7 @@
           <a:p>
             <a:fld id="{79C2CD3C-23E9-4BF9-92A5-02D69918904F}" type="datetimeFigureOut">
               <a:rPr lang="fr-FR" smtClean="0"/>
-              <a:t>01/04/2018</a:t>
+              <a:t>04/04/2018</a:t>
             </a:fld>
             <a:endParaRPr lang="fr-FR"/>
           </a:p>
@@ -2940,7 +2940,7 @@
           <a:p>
             <a:fld id="{79C2CD3C-23E9-4BF9-92A5-02D69918904F}" type="datetimeFigureOut">
               <a:rPr lang="fr-FR" smtClean="0"/>
-              <a:t>01/04/2018</a:t>
+              <a:t>04/04/2018</a:t>
             </a:fld>
             <a:endParaRPr lang="fr-FR"/>
           </a:p>
@@ -3851,7 +3851,7 @@
         <p:spPr>
           <a:xfrm>
             <a:off x="772826" y="2106970"/>
-            <a:ext cx="10265267" cy="1384995"/>
+            <a:ext cx="10265267" cy="1661993"/>
           </a:xfrm>
           <a:prstGeom prst="rect">
             <a:avLst/>
@@ -3867,8 +3867,9 @@
             <a:pPr algn="ctr"/>
             <a:r>
               <a:rPr lang="fr-FR" sz="2400" dirty="0" smtClean="0"/>
-              <a:t>Nous voulons tous nous rendre quelque part.</a:t>
-            </a:r>
+              <a:t>Nous souhaitons tous (ou presque) manger mieux.</a:t>
+            </a:r>
+            <a:endParaRPr lang="fr-FR" sz="2400" dirty="0" smtClean="0"/>
           </a:p>
           <a:p>
             <a:pPr algn="ctr"/>
@@ -3877,20 +3878,24 @@
           <a:p>
             <a:pPr algn="ctr"/>
             <a:r>
-              <a:rPr lang="fr-FR" dirty="0" err="1" smtClean="0"/>
-              <a:t>GrandPy</a:t>
-            </a:r>
-            <a:r>
               <a:rPr lang="fr-FR" dirty="0" smtClean="0"/>
-              <a:t> Bot se charge de nous indiquer ce quelque part… </a:t>
-            </a:r>
-            <a:br>
+              <a:t>La plateforme Pur Beurre aide justement ceux qui veulent </a:t>
+            </a:r>
+          </a:p>
+          <a:p>
+            <a:pPr algn="ctr"/>
+            <a:r>
               <a:rPr lang="fr-FR" dirty="0" smtClean="0"/>
-            </a:br>
+              <a:t>manger mieux à trouver des substituts plus sains </a:t>
+            </a:r>
+          </a:p>
+          <a:p>
+            <a:pPr algn="ctr"/>
             <a:r>
               <a:rPr lang="fr-FR" dirty="0" smtClean="0"/>
-              <a:t>et en profite pour nous raconter une petite histoire y étant associée !</a:t>
-            </a:r>
+              <a:t>aux aliments qu’ils mangent tous les jours.</a:t>
+            </a:r>
+            <a:endParaRPr lang="fr-FR" dirty="0" smtClean="0"/>
           </a:p>
         </p:txBody>
       </p:sp>
@@ -3916,7 +3921,7 @@
         </p:blipFill>
         <p:spPr>
           <a:xfrm>
-            <a:off x="4836583" y="3826933"/>
+            <a:off x="4836583" y="3991983"/>
             <a:ext cx="2518833" cy="2518833"/>
           </a:xfrm>
           <a:prstGeom prst="rect">
@@ -4556,15 +4561,15 @@
             </a:pPr>
             <a:r>
               <a:rPr lang="fr-FR" sz="2800" dirty="0" smtClean="0"/>
-              <a:t>Chercher sur Google et demander à mon mentor. Se </a:t>
-            </a:r>
-            <a:r>
-              <a:rPr lang="fr-FR" sz="2800" b="1" dirty="0" smtClean="0"/>
-              <a:t>résigner</a:t>
-            </a:r>
-            <a:r>
-              <a:rPr lang="fr-FR" sz="2800" dirty="0" smtClean="0"/>
-              <a:t>.</a:t>
+              <a:t>Chercher sur Google et demander à </a:t>
+            </a:r>
+            <a:r>
+              <a:rPr lang="fr-FR" sz="2800" smtClean="0"/>
+              <a:t>mon </a:t>
+            </a:r>
+            <a:r>
+              <a:rPr lang="fr-FR" sz="2800" smtClean="0"/>
+              <a:t>mentor.</a:t>
             </a:r>
             <a:endParaRPr lang="fr-FR" sz="2800" dirty="0" smtClean="0"/>
           </a:p>
@@ -5813,7 +5818,6 @@
               <a:rPr lang="fr-FR" sz="2800" dirty="0" smtClean="0"/>
               <a:t>Vues fondées sur des classes.</a:t>
             </a:r>
-            <a:endParaRPr lang="fr-FR" sz="2800" dirty="0" smtClean="0"/>
           </a:p>
         </p:txBody>
       </p:sp>
@@ -10912,7 +10916,19 @@
             </a:pPr>
             <a:r>
               <a:rPr lang="fr-FR" sz="2800" b="1" dirty="0" smtClean="0"/>
-              <a:t>Construire la base de données </a:t>
+              <a:t>Construire la base de </a:t>
+            </a:r>
+            <a:r>
+              <a:rPr lang="fr-FR" sz="2800" b="1" dirty="0" smtClean="0"/>
+              <a:t>données </a:t>
+            </a:r>
+            <a:r>
+              <a:rPr lang="fr-FR" sz="2800" dirty="0" smtClean="0"/>
+              <a:t>et</a:t>
+            </a:r>
+            <a:r>
+              <a:rPr lang="fr-FR" sz="2800" b="1" dirty="0" smtClean="0"/>
+              <a:t> ORM Django </a:t>
             </a:r>
             <a:r>
               <a:rPr lang="fr-FR" sz="2800" dirty="0" smtClean="0"/>
@@ -11498,7 +11514,6 @@
               <a:rPr lang="fr-FR" sz="2800" dirty="0"/>
               <a:t>.</a:t>
             </a:r>
-            <a:endParaRPr lang="fr-FR" sz="2800" dirty="0"/>
           </a:p>
         </p:txBody>
       </p:sp>
@@ -11827,7 +11842,6 @@
               <a:rPr lang="fr-FR" sz="2800" dirty="0" smtClean="0"/>
               <a:t>.</a:t>
             </a:r>
-            <a:endParaRPr lang="fr-FR" sz="2800" dirty="0" smtClean="0"/>
           </a:p>
         </p:txBody>
       </p:sp>

--- a/livrables/Projet8_Purbeurre_Nutellove.pptx
+++ b/livrables/Projet8_Purbeurre_Nutellove.pptx
@@ -220,7 +220,7 @@
           <a:p>
             <a:fld id="{112819D6-9618-45CA-A4D0-F3F0B09DC02D}" type="datetimeFigureOut">
               <a:rPr lang="fr-FR" smtClean="0"/>
-              <a:t>04/04/2018</a:t>
+              <a:t>06/04/2018</a:t>
             </a:fld>
             <a:endParaRPr lang="fr-FR"/>
           </a:p>
@@ -619,7 +619,7 @@
           <a:p>
             <a:fld id="{79C2CD3C-23E9-4BF9-92A5-02D69918904F}" type="datetimeFigureOut">
               <a:rPr lang="fr-FR" smtClean="0"/>
-              <a:t>04/04/2018</a:t>
+              <a:t>06/04/2018</a:t>
             </a:fld>
             <a:endParaRPr lang="fr-FR"/>
           </a:p>
@@ -789,7 +789,7 @@
           <a:p>
             <a:fld id="{79C2CD3C-23E9-4BF9-92A5-02D69918904F}" type="datetimeFigureOut">
               <a:rPr lang="fr-FR" smtClean="0"/>
-              <a:t>04/04/2018</a:t>
+              <a:t>06/04/2018</a:t>
             </a:fld>
             <a:endParaRPr lang="fr-FR"/>
           </a:p>
@@ -969,7 +969,7 @@
           <a:p>
             <a:fld id="{79C2CD3C-23E9-4BF9-92A5-02D69918904F}" type="datetimeFigureOut">
               <a:rPr lang="fr-FR" smtClean="0"/>
-              <a:t>04/04/2018</a:t>
+              <a:t>06/04/2018</a:t>
             </a:fld>
             <a:endParaRPr lang="fr-FR"/>
           </a:p>
@@ -1139,7 +1139,7 @@
           <a:p>
             <a:fld id="{79C2CD3C-23E9-4BF9-92A5-02D69918904F}" type="datetimeFigureOut">
               <a:rPr lang="fr-FR" smtClean="0"/>
-              <a:t>04/04/2018</a:t>
+              <a:t>06/04/2018</a:t>
             </a:fld>
             <a:endParaRPr lang="fr-FR"/>
           </a:p>
@@ -1385,7 +1385,7 @@
           <a:p>
             <a:fld id="{79C2CD3C-23E9-4BF9-92A5-02D69918904F}" type="datetimeFigureOut">
               <a:rPr lang="fr-FR" smtClean="0"/>
-              <a:t>04/04/2018</a:t>
+              <a:t>06/04/2018</a:t>
             </a:fld>
             <a:endParaRPr lang="fr-FR"/>
           </a:p>
@@ -1617,7 +1617,7 @@
           <a:p>
             <a:fld id="{79C2CD3C-23E9-4BF9-92A5-02D69918904F}" type="datetimeFigureOut">
               <a:rPr lang="fr-FR" smtClean="0"/>
-              <a:t>04/04/2018</a:t>
+              <a:t>06/04/2018</a:t>
             </a:fld>
             <a:endParaRPr lang="fr-FR"/>
           </a:p>
@@ -1984,7 +1984,7 @@
           <a:p>
             <a:fld id="{79C2CD3C-23E9-4BF9-92A5-02D69918904F}" type="datetimeFigureOut">
               <a:rPr lang="fr-FR" smtClean="0"/>
-              <a:t>04/04/2018</a:t>
+              <a:t>06/04/2018</a:t>
             </a:fld>
             <a:endParaRPr lang="fr-FR"/>
           </a:p>
@@ -2102,7 +2102,7 @@
           <a:p>
             <a:fld id="{79C2CD3C-23E9-4BF9-92A5-02D69918904F}" type="datetimeFigureOut">
               <a:rPr lang="fr-FR" smtClean="0"/>
-              <a:t>04/04/2018</a:t>
+              <a:t>06/04/2018</a:t>
             </a:fld>
             <a:endParaRPr lang="fr-FR"/>
           </a:p>
@@ -2197,7 +2197,7 @@
           <a:p>
             <a:fld id="{79C2CD3C-23E9-4BF9-92A5-02D69918904F}" type="datetimeFigureOut">
               <a:rPr lang="fr-FR" smtClean="0"/>
-              <a:t>04/04/2018</a:t>
+              <a:t>06/04/2018</a:t>
             </a:fld>
             <a:endParaRPr lang="fr-FR"/>
           </a:p>
@@ -2474,7 +2474,7 @@
           <a:p>
             <a:fld id="{79C2CD3C-23E9-4BF9-92A5-02D69918904F}" type="datetimeFigureOut">
               <a:rPr lang="fr-FR" smtClean="0"/>
-              <a:t>04/04/2018</a:t>
+              <a:t>06/04/2018</a:t>
             </a:fld>
             <a:endParaRPr lang="fr-FR"/>
           </a:p>
@@ -2727,7 +2727,7 @@
           <a:p>
             <a:fld id="{79C2CD3C-23E9-4BF9-92A5-02D69918904F}" type="datetimeFigureOut">
               <a:rPr lang="fr-FR" smtClean="0"/>
-              <a:t>04/04/2018</a:t>
+              <a:t>06/04/2018</a:t>
             </a:fld>
             <a:endParaRPr lang="fr-FR"/>
           </a:p>
@@ -2940,7 +2940,7 @@
           <a:p>
             <a:fld id="{79C2CD3C-23E9-4BF9-92A5-02D69918904F}" type="datetimeFigureOut">
               <a:rPr lang="fr-FR" smtClean="0"/>
-              <a:t>04/04/2018</a:t>
+              <a:t>06/04/2018</a:t>
             </a:fld>
             <a:endParaRPr lang="fr-FR"/>
           </a:p>
@@ -3869,7 +3869,6 @@
               <a:rPr lang="fr-FR" sz="2400" dirty="0" smtClean="0"/>
               <a:t>Nous souhaitons tous (ou presque) manger mieux.</a:t>
             </a:r>
-            <a:endParaRPr lang="fr-FR" sz="2400" dirty="0" smtClean="0"/>
           </a:p>
           <a:p>
             <a:pPr algn="ctr"/>
@@ -3895,7 +3894,6 @@
               <a:rPr lang="fr-FR" dirty="0" smtClean="0"/>
               <a:t>aux aliments qu’ils mangent tous les jours.</a:t>
             </a:r>
-            <a:endParaRPr lang="fr-FR" dirty="0" smtClean="0"/>
           </a:p>
         </p:txBody>
       </p:sp>
@@ -4565,11 +4563,7 @@
             </a:r>
             <a:r>
               <a:rPr lang="fr-FR" sz="2800" smtClean="0"/>
-              <a:t>mon </a:t>
-            </a:r>
-            <a:r>
-              <a:rPr lang="fr-FR" sz="2800" smtClean="0"/>
-              <a:t>mentor.</a:t>
+              <a:t>mon mentor.</a:t>
             </a:r>
             <a:endParaRPr lang="fr-FR" sz="2800" dirty="0" smtClean="0"/>
           </a:p>
@@ -10916,11 +10910,7 @@
             </a:pPr>
             <a:r>
               <a:rPr lang="fr-FR" sz="2800" b="1" dirty="0" smtClean="0"/>
-              <a:t>Construire la base de </a:t>
-            </a:r>
-            <a:r>
-              <a:rPr lang="fr-FR" sz="2800" b="1" dirty="0" smtClean="0"/>
-              <a:t>données </a:t>
+              <a:t>Construire la base de données </a:t>
             </a:r>
             <a:r>
               <a:rPr lang="fr-FR" sz="2800" dirty="0" smtClean="0"/>
@@ -13349,7 +13339,56 @@
             </a:r>
             <a:r>
               <a:rPr lang="fr-FR" sz="2800" dirty="0" smtClean="0"/>
-              <a:t> de l’application.</a:t>
+              <a:t> de </a:t>
+            </a:r>
+            <a:r>
+              <a:rPr lang="fr-FR" sz="2800" dirty="0" smtClean="0"/>
+              <a:t>l’application ;</a:t>
+            </a:r>
+            <a:endParaRPr lang="fr-FR" sz="2800" dirty="0"/>
+          </a:p>
+        </p:txBody>
+      </p:sp>
+      <p:sp>
+        <p:nvSpPr>
+          <p:cNvPr id="17" name="Rectangle 16"/>
+          <p:cNvSpPr/>
+          <p:nvPr/>
+        </p:nvSpPr>
+        <p:spPr>
+          <a:xfrm>
+            <a:off x="1123617" y="5852299"/>
+            <a:ext cx="10429286" cy="523220"/>
+          </a:xfrm>
+          <a:prstGeom prst="rect">
+            <a:avLst/>
+          </a:prstGeom>
+        </p:spPr>
+        <p:txBody>
+          <a:bodyPr wrap="square">
+            <a:spAutoFit/>
+          </a:bodyPr>
+          <a:lstStyle/>
+          <a:p>
+            <a:pPr marL="285750" indent="-285750">
+              <a:buFont typeface="Arial" panose="020B0604020202020204" pitchFamily="34" charset="0"/>
+              <a:buChar char="•"/>
+            </a:pPr>
+            <a:r>
+              <a:rPr lang="fr-FR" sz="2800" dirty="0" smtClean="0"/>
+              <a:t>Créer </a:t>
+            </a:r>
+            <a:r>
+              <a:rPr lang="fr-FR" sz="2800" dirty="0" smtClean="0"/>
+              <a:t>les </a:t>
+            </a:r>
+            <a:r>
+              <a:rPr lang="fr-FR" sz="2800" b="1" dirty="0" smtClean="0"/>
+              <a:t>tests</a:t>
+            </a:r>
+            <a:r>
+              <a:rPr lang="fr-FR" sz="2800" dirty="0" smtClean="0"/>
+              <a:t>.</a:t>
             </a:r>
             <a:endParaRPr lang="fr-FR" sz="2800" dirty="0"/>
           </a:p>
@@ -13599,6 +13638,59 @@
                       </p:childTnLst>
                     </p:cTn>
                   </p:par>
+                  <p:par>
+                    <p:cTn id="23" fill="hold">
+                      <p:stCondLst>
+                        <p:cond delay="indefinite"/>
+                      </p:stCondLst>
+                      <p:childTnLst>
+                        <p:par>
+                          <p:cTn id="24" fill="hold">
+                            <p:stCondLst>
+                              <p:cond delay="0"/>
+                            </p:stCondLst>
+                            <p:childTnLst>
+                              <p:par>
+                                <p:cTn id="25" presetID="10" presetClass="entr" presetSubtype="0" fill="hold" grpId="0" nodeType="clickEffect">
+                                  <p:stCondLst>
+                                    <p:cond delay="0"/>
+                                  </p:stCondLst>
+                                  <p:childTnLst>
+                                    <p:set>
+                                      <p:cBhvr>
+                                        <p:cTn id="26" dur="1" fill="hold">
+                                          <p:stCondLst>
+                                            <p:cond delay="0"/>
+                                          </p:stCondLst>
+                                        </p:cTn>
+                                        <p:tgtEl>
+                                          <p:spTgt spid="17"/>
+                                        </p:tgtEl>
+                                        <p:attrNameLst>
+                                          <p:attrName>style.visibility</p:attrName>
+                                        </p:attrNameLst>
+                                      </p:cBhvr>
+                                      <p:to>
+                                        <p:strVal val="visible"/>
+                                      </p:to>
+                                    </p:set>
+                                    <p:animEffect transition="in" filter="fade">
+                                      <p:cBhvr>
+                                        <p:cTn id="27" dur="500"/>
+                                        <p:tgtEl>
+                                          <p:spTgt spid="17"/>
+                                        </p:tgtEl>
+                                      </p:cBhvr>
+                                    </p:animEffect>
+                                  </p:childTnLst>
+                                </p:cTn>
+                              </p:par>
+                            </p:childTnLst>
+                          </p:cTn>
+                        </p:par>
+                      </p:childTnLst>
+                    </p:cTn>
+                  </p:par>
                 </p:childTnLst>
               </p:cTn>
               <p:prevCondLst>
@@ -13625,6 +13717,7 @@
       <p:bldP spid="2" grpId="0"/>
       <p:bldP spid="3" grpId="0"/>
       <p:bldP spid="13" grpId="0"/>
+      <p:bldP spid="17" grpId="0"/>
     </p:bldLst>
   </p:timing>
 </p:sld>
